--- a/Presentaciones/06. Metricas Orientadas a Objetos.pptx
+++ b/Presentaciones/06. Metricas Orientadas a Objetos.pptx
@@ -294,7 +294,7 @@
           <a:p>
             <a:fld id="{897D37C5-C84D-41EC-8697-9648D86DADE5}" type="datetimeFigureOut">
               <a:rPr lang="es-ES"/>
-              <a:t>31/10/13</a:t>
+              <a:t>30/10/14</a:t>
             </a:fld>
             <a:endParaRPr lang="es-ES" dirty="0"/>
           </a:p>
@@ -6026,7 +6026,7 @@
           <a:p>
             <a:fld id="{C13DA82E-E6A4-47E8-A3CF-DADB523CFBC1}" type="datetime1">
               <a:rPr lang="es-ES" smtClean="0"/>
-              <a:t>31/10/13</a:t>
+              <a:t>30/10/14</a:t>
             </a:fld>
             <a:endParaRPr lang="es-ES" dirty="0"/>
           </a:p>
@@ -6201,7 +6201,7 @@
           <a:p>
             <a:fld id="{01C8218F-845B-412E-B8EB-E64929A3C135}" type="datetime1">
               <a:rPr lang="es-ES" smtClean="0"/>
-              <a:t>31/10/13</a:t>
+              <a:t>30/10/14</a:t>
             </a:fld>
             <a:endParaRPr lang="es-ES" dirty="0"/>
           </a:p>
@@ -6386,7 +6386,7 @@
           <a:p>
             <a:fld id="{F01ED55C-D01F-4252-BAFA-B82089B055FA}" type="datetime1">
               <a:rPr lang="es-ES" smtClean="0"/>
-              <a:t>31/10/13</a:t>
+              <a:t>30/10/14</a:t>
             </a:fld>
             <a:endParaRPr lang="es-ES" dirty="0"/>
           </a:p>
@@ -6561,7 +6561,7 @@
           <a:p>
             <a:fld id="{DD42EC40-198F-4F0B-8143-F5FBD59AFF48}" type="datetime1">
               <a:rPr lang="es-ES" smtClean="0"/>
-              <a:t>31/10/13</a:t>
+              <a:t>30/10/14</a:t>
             </a:fld>
             <a:endParaRPr lang="es-ES" dirty="0"/>
           </a:p>
@@ -6813,7 +6813,7 @@
           <a:p>
             <a:fld id="{C4D3351F-D721-4FF8-9834-541183ECBB40}" type="datetime1">
               <a:rPr lang="es-ES" smtClean="0"/>
-              <a:t>31/10/13</a:t>
+              <a:t>30/10/14</a:t>
             </a:fld>
             <a:endParaRPr lang="es-ES" dirty="0"/>
           </a:p>
@@ -7087,7 +7087,7 @@
           <a:p>
             <a:fld id="{B775B712-374F-4F60-BF7C-374075A008A9}" type="datetime1">
               <a:rPr lang="es-ES" smtClean="0"/>
-              <a:t>31/10/13</a:t>
+              <a:t>30/10/14</a:t>
             </a:fld>
             <a:endParaRPr lang="es-ES" dirty="0"/>
           </a:p>
@@ -7475,7 +7475,7 @@
           <a:p>
             <a:fld id="{7FA6A421-B222-448F-853E-C01CB6A3165F}" type="datetime1">
               <a:rPr lang="es-ES" smtClean="0"/>
-              <a:t>31/10/13</a:t>
+              <a:t>30/10/14</a:t>
             </a:fld>
             <a:endParaRPr lang="es-ES" dirty="0"/>
           </a:p>
@@ -7635,7 +7635,7 @@
           <a:p>
             <a:fld id="{A92703CE-3085-4C99-BF9A-68DD618F245B}" type="datetime1">
               <a:rPr lang="es-ES" smtClean="0"/>
-              <a:t>31/10/13</a:t>
+              <a:t>30/10/14</a:t>
             </a:fld>
             <a:endParaRPr lang="es-ES" dirty="0"/>
           </a:p>
@@ -7735,7 +7735,7 @@
           <a:p>
             <a:fld id="{68219F3E-B5F5-4C6D-AC6C-A9AF13BEDAB8}" type="datetime1">
               <a:rPr lang="es-ES" smtClean="0"/>
-              <a:t>31/10/13</a:t>
+              <a:t>30/10/14</a:t>
             </a:fld>
             <a:endParaRPr lang="es-ES" dirty="0"/>
           </a:p>
@@ -8006,7 +8006,7 @@
           <a:p>
             <a:fld id="{705E608A-D53B-45EB-9D81-75249F4C4FB6}" type="datetime1">
               <a:rPr lang="es-ES" smtClean="0"/>
-              <a:t>31/10/13</a:t>
+              <a:t>30/10/14</a:t>
             </a:fld>
             <a:endParaRPr lang="es-ES" dirty="0"/>
           </a:p>
@@ -8304,7 +8304,7 @@
           <a:p>
             <a:fld id="{66DF3BE9-4549-42CA-BB26-024EAD7B2B27}" type="datetime1">
               <a:rPr lang="es-ES" smtClean="0"/>
-              <a:t>31/10/13</a:t>
+              <a:t>30/10/14</a:t>
             </a:fld>
             <a:endParaRPr lang="es-ES" dirty="0"/>
           </a:p>
@@ -9085,7 +9085,7 @@
           <a:p>
             <a:fld id="{742767C3-8CDE-4AC6-85F0-577AC6E6DB53}" type="datetime1">
               <a:rPr lang="es-ES" smtClean="0"/>
-              <a:t>31/10/13</a:t>
+              <a:t>30/10/14</a:t>
             </a:fld>
             <a:endParaRPr lang="es-ES" dirty="0"/>
           </a:p>
@@ -9903,7 +9903,7 @@
           <a:p>
             <a:fld id="{676A036B-0043-4640-896A-B6D250F75FC0}" type="datetime1">
               <a:rPr lang="es-ES" smtClean="0"/>
-              <a:t>31/10/13</a:t>
+              <a:t>30/10/14</a:t>
             </a:fld>
             <a:endParaRPr lang="es-ES" dirty="0"/>
           </a:p>
@@ -10097,7 +10097,7 @@
           <a:p>
             <a:fld id="{A4008460-84C0-428C-99DD-6215E9EC4666}" type="datetime1">
               <a:rPr lang="es-ES" smtClean="0"/>
-              <a:t>31/10/13</a:t>
+              <a:t>30/10/14</a:t>
             </a:fld>
             <a:endParaRPr lang="es-ES"/>
           </a:p>
@@ -10272,7 +10272,7 @@
           <a:p>
             <a:fld id="{1BD5C3E9-DF91-474E-8F56-7F4747FB7098}" type="datetime1">
               <a:rPr lang="es-ES" smtClean="0"/>
-              <a:t>31/10/13</a:t>
+              <a:t>30/10/14</a:t>
             </a:fld>
             <a:endParaRPr lang="es-ES"/>
           </a:p>
@@ -10549,7 +10549,7 @@
           <a:p>
             <a:fld id="{2BA68971-4594-4C81-9F27-879F00123F05}" type="datetime1">
               <a:rPr lang="es-ES" smtClean="0"/>
-              <a:t>31/10/13</a:t>
+              <a:t>30/10/14</a:t>
             </a:fld>
             <a:endParaRPr lang="es-ES"/>
           </a:p>
@@ -10728,7 +10728,7 @@
           <a:p>
             <a:fld id="{2EF925C0-0A3C-4A6A-94DF-0B0C601E3CF9}" type="datetime1">
               <a:rPr lang="es-ES" smtClean="0"/>
-              <a:t>31/10/13</a:t>
+              <a:t>30/10/14</a:t>
             </a:fld>
             <a:endParaRPr lang="es-ES" dirty="0"/>
           </a:p>
@@ -10915,7 +10915,7 @@
           <a:p>
             <a:fld id="{0AAB3746-6D65-4560-B317-46DC8B17D648}" type="datetime1">
               <a:rPr lang="es-ES" smtClean="0"/>
-              <a:t>31/10/13</a:t>
+              <a:t>30/10/14</a:t>
             </a:fld>
             <a:endParaRPr lang="es-ES" dirty="0"/>
           </a:p>
@@ -11167,7 +11167,7 @@
           <a:p>
             <a:fld id="{412106C6-FA7F-403A-BA97-D5215C233100}" type="datetime1">
               <a:rPr lang="es-ES" smtClean="0"/>
-              <a:t>31/10/13</a:t>
+              <a:t>30/10/14</a:t>
             </a:fld>
             <a:endParaRPr lang="es-ES" dirty="0"/>
           </a:p>
@@ -11364,7 +11364,7 @@
           <a:p>
             <a:fld id="{05EA34BA-DBFD-4521-9FC6-DF01DD06F26E}" type="datetime1">
               <a:rPr lang="es-ES" smtClean="0"/>
-              <a:t>31/10/13</a:t>
+              <a:t>30/10/14</a:t>
             </a:fld>
             <a:endParaRPr lang="es-ES" dirty="0"/>
           </a:p>
@@ -11579,7 +11579,7 @@
           <a:p>
             <a:fld id="{643AF78D-B2F0-47B6-A134-CCB4045E4DD9}" type="datetime1">
               <a:rPr lang="es-ES" smtClean="0"/>
-              <a:t>31/10/13</a:t>
+              <a:t>30/10/14</a:t>
             </a:fld>
             <a:endParaRPr lang="es-ES" dirty="0"/>
           </a:p>
@@ -11771,7 +11771,7 @@
           <a:p>
             <a:fld id="{F67DE6B2-967D-446D-9EE3-9B653E6B0361}" type="datetime1">
               <a:rPr lang="es-ES" smtClean="0"/>
-              <a:t>31/10/13</a:t>
+              <a:t>30/10/14</a:t>
             </a:fld>
             <a:endParaRPr lang="es-ES" dirty="0"/>
           </a:p>
@@ -11949,7 +11949,7 @@
           <a:p>
             <a:fld id="{5606E64A-3B17-42ED-815B-410AE92F4227}" type="datetime1">
               <a:rPr lang="es-ES" smtClean="0"/>
-              <a:t>31/10/13</a:t>
+              <a:t>30/10/14</a:t>
             </a:fld>
             <a:endParaRPr lang="es-ES" dirty="0"/>
           </a:p>
@@ -12142,7 +12142,7 @@
           <a:p>
             <a:fld id="{200D16FC-7B1D-4225-9F2C-8DBD6B5529C1}" type="datetime1">
               <a:rPr lang="es-ES" smtClean="0"/>
-              <a:t>31/10/13</a:t>
+              <a:t>30/10/14</a:t>
             </a:fld>
             <a:endParaRPr lang="es-ES" dirty="0"/>
           </a:p>
@@ -12332,7 +12332,7 @@
           <a:p>
             <a:fld id="{66E9EFB8-5B24-4630-B319-3C4A0F2FFFD6}" type="datetime1">
               <a:rPr lang="es-ES" smtClean="0"/>
-              <a:t>31/10/13</a:t>
+              <a:t>30/10/14</a:t>
             </a:fld>
             <a:endParaRPr lang="es-ES" dirty="0"/>
           </a:p>
@@ -12531,7 +12531,7 @@
           <a:p>
             <a:fld id="{6466BBCA-973D-48C5-ACF0-B2B907410E4A}" type="datetime1">
               <a:rPr lang="es-ES" smtClean="0"/>
-              <a:t>31/10/13</a:t>
+              <a:t>30/10/14</a:t>
             </a:fld>
             <a:endParaRPr lang="es-ES" dirty="0"/>
           </a:p>
@@ -13337,7 +13337,7 @@
           <a:p>
             <a:fld id="{5912FCA5-A8A2-451A-ADE3-32C877D6539F}" type="datetime1">
               <a:rPr lang="es-ES" smtClean="0"/>
-              <a:t>31/10/13</a:t>
+              <a:t>30/10/14</a:t>
             </a:fld>
             <a:endParaRPr lang="es-ES" dirty="0"/>
           </a:p>
@@ -13550,7 +13550,7 @@
           <a:p>
             <a:fld id="{42AA885E-CCF2-4DC9-A4F1-F43D4A46DE97}" type="datetime1">
               <a:rPr lang="es-ES" smtClean="0"/>
-              <a:t>31/10/13</a:t>
+              <a:t>30/10/14</a:t>
             </a:fld>
             <a:endParaRPr lang="es-ES" dirty="0"/>
           </a:p>
@@ -13786,7 +13786,7 @@
           <a:p>
             <a:fld id="{63A5BE43-E2C2-4DCA-88CB-B8AB110D54F3}" type="datetime1">
               <a:rPr lang="es-ES" smtClean="0"/>
-              <a:t>31/10/13</a:t>
+              <a:t>30/10/14</a:t>
             </a:fld>
             <a:endParaRPr lang="es-ES" dirty="0"/>
           </a:p>
@@ -14005,7 +14005,7 @@
           <a:p>
             <a:fld id="{4BE4C61D-8254-4CA4-9BFE-8BEAF981C0F3}" type="datetime1">
               <a:rPr lang="es-ES" smtClean="0"/>
-              <a:t>31/10/13</a:t>
+              <a:t>30/10/14</a:t>
             </a:fld>
             <a:endParaRPr lang="es-ES" dirty="0"/>
           </a:p>
@@ -14227,7 +14227,7 @@
           <a:p>
             <a:fld id="{B63366D1-A3E8-4018-8F39-B303779E2442}" type="datetime1">
               <a:rPr lang="es-ES" smtClean="0"/>
-              <a:t>31/10/13</a:t>
+              <a:t>30/10/14</a:t>
             </a:fld>
             <a:endParaRPr lang="es-ES" dirty="0"/>
           </a:p>
@@ -14486,7 +14486,7 @@
           <a:p>
             <a:fld id="{6F207EBE-969C-427D-B4ED-3997CF266646}" type="datetime1">
               <a:rPr lang="es-ES" smtClean="0"/>
-              <a:t>31/10/13</a:t>
+              <a:t>30/10/14</a:t>
             </a:fld>
             <a:endParaRPr lang="es-ES" dirty="0"/>
           </a:p>
@@ -14759,7 +14759,7 @@
           <a:p>
             <a:fld id="{C6A391F0-CF47-42D5-86E9-92D4507B3C4F}" type="datetime1">
               <a:rPr lang="es-ES" smtClean="0"/>
-              <a:t>31/10/13</a:t>
+              <a:t>30/10/14</a:t>
             </a:fld>
             <a:endParaRPr lang="es-ES" dirty="0"/>
           </a:p>
@@ -15035,7 +15035,7 @@
           <a:p>
             <a:fld id="{3559A1B8-00EF-40F8-B53A-F361FB10090E}" type="datetime1">
               <a:rPr lang="es-ES" smtClean="0"/>
-              <a:t>31/10/13</a:t>
+              <a:t>30/10/14</a:t>
             </a:fld>
             <a:endParaRPr lang="es-ES" dirty="0"/>
           </a:p>
@@ -15225,7 +15225,7 @@
           <a:p>
             <a:fld id="{BEEF740D-1C29-4281-99D3-917E3A3428FB}" type="datetime1">
               <a:rPr lang="es-ES" smtClean="0"/>
-              <a:t>31/10/13</a:t>
+              <a:t>30/10/14</a:t>
             </a:fld>
             <a:endParaRPr lang="es-ES" dirty="0"/>
           </a:p>
@@ -15446,7 +15446,7 @@
           <a:p>
             <a:fld id="{98B90D12-7E3C-4B3E-ACA1-C45310FFA823}" type="datetime1">
               <a:rPr lang="es-ES" smtClean="0"/>
-              <a:t>31/10/13</a:t>
+              <a:t>30/10/14</a:t>
             </a:fld>
             <a:endParaRPr lang="es-ES" dirty="0"/>
           </a:p>
@@ -15687,7 +15687,7 @@
           <a:p>
             <a:fld id="{04112BF6-2040-430C-A8EA-AF30BDBF3B47}" type="datetime1">
               <a:rPr lang="es-ES" smtClean="0"/>
-              <a:t>31/10/13</a:t>
+              <a:t>30/10/14</a:t>
             </a:fld>
             <a:endParaRPr lang="es-ES" dirty="0"/>
           </a:p>
@@ -15900,7 +15900,7 @@
           <a:p>
             <a:fld id="{691F6874-62F5-4F32-A54B-366C5D8BADC2}" type="datetime1">
               <a:rPr lang="es-ES" smtClean="0"/>
-              <a:t>31/10/13</a:t>
+              <a:t>30/10/14</a:t>
             </a:fld>
             <a:endParaRPr lang="es-ES" dirty="0"/>
           </a:p>
@@ -16099,7 +16099,7 @@
           <a:p>
             <a:fld id="{E9A6DBAF-4D98-4C79-9ACC-3AEE318AAE04}" type="datetime1">
               <a:rPr lang="es-ES" smtClean="0"/>
-              <a:t>31/10/13</a:t>
+              <a:t>30/10/14</a:t>
             </a:fld>
             <a:endParaRPr lang="es-ES" dirty="0"/>
           </a:p>
@@ -16425,7 +16425,7 @@
           <a:p>
             <a:fld id="{3650E3F3-8F2E-4D83-B72B-38627773C2EC}" type="datetime1">
               <a:rPr lang="es-ES" smtClean="0"/>
-              <a:t>31/10/13</a:t>
+              <a:t>30/10/14</a:t>
             </a:fld>
             <a:endParaRPr lang="es-ES" dirty="0"/>
           </a:p>
@@ -17058,7 +17058,7 @@
           <a:p>
             <a:fld id="{2FBBFD6C-1560-40E1-B152-2FBA1389EBF4}" type="datetime1">
               <a:rPr lang="es-ES" smtClean="0"/>
-              <a:t>31/10/13</a:t>
+              <a:t>30/10/14</a:t>
             </a:fld>
             <a:endParaRPr lang="es-ES" dirty="0"/>
           </a:p>
@@ -17207,7 +17207,7 @@
           <a:p>
             <a:fld id="{36806DA8-7EBF-460B-AAF1-07B5612BC394}" type="datetime1">
               <a:rPr lang="es-ES" smtClean="0"/>
-              <a:t>31/10/13</a:t>
+              <a:t>30/10/14</a:t>
             </a:fld>
             <a:endParaRPr lang="es-ES" dirty="0"/>
           </a:p>
@@ -18202,7 +18202,7 @@
           <a:p>
             <a:fld id="{17A9937D-25EA-4C44-BD8F-B7E0B52A73CB}" type="datetime1">
               <a:rPr lang="es-ES" smtClean="0"/>
-              <a:t>31/10/13</a:t>
+              <a:t>30/10/14</a:t>
             </a:fld>
             <a:endParaRPr lang="es-ES" dirty="0"/>
           </a:p>
@@ -18630,7 +18630,19 @@
             </a:r>
             <a:r>
               <a:rPr lang="es-ES" sz="2800" dirty="0"/>
-              <a:t>paquete estable no quiere decir es difícil de cambiar por es complejo o porque es grande.</a:t>
+              <a:t>paquete estable no quiere decir </a:t>
+            </a:r>
+            <a:r>
+              <a:rPr lang="es-ES" sz="2800" dirty="0" smtClean="0"/>
+              <a:t>que </a:t>
+            </a:r>
+            <a:r>
+              <a:rPr lang="es-ES" sz="2800" dirty="0" smtClean="0"/>
+              <a:t>es </a:t>
+            </a:r>
+            <a:r>
+              <a:rPr lang="es-ES" sz="2800" dirty="0"/>
+              <a:t>difícil de cambiar por es complejo o porque es grande.</a:t>
             </a:r>
           </a:p>
           <a:p>
@@ -20301,7 +20313,7 @@
           <a:p>
             <a:fld id="{922B9679-CEBE-4497-A287-60B77728344E}" type="datetime1">
               <a:rPr lang="es-ES" smtClean="0"/>
-              <a:t>31/10/13</a:t>
+              <a:t>30/10/14</a:t>
             </a:fld>
             <a:endParaRPr lang="es-ES" dirty="0"/>
           </a:p>
@@ -21721,20 +21733,20 @@
               <a:t>Máximo </a:t>
             </a:r>
             <a:r>
-              <a:rPr lang="es-ES" sz="1400" dirty="0" err="1" smtClean="0">
-                <a:solidFill>
-                  <a:srgbClr val="000000"/>
-                </a:solidFill>
-              </a:rPr>
-              <a:t>stable</a:t>
-            </a:r>
-            <a:r>
               <a:rPr lang="es-ES" sz="1400" dirty="0" smtClean="0">
                 <a:solidFill>
                   <a:srgbClr val="000000"/>
                 </a:solidFill>
               </a:rPr>
-              <a:t> y concreto</a:t>
+              <a:t>estable </a:t>
+            </a:r>
+            <a:r>
+              <a:rPr lang="es-ES" sz="1400" dirty="0" smtClean="0">
+                <a:solidFill>
+                  <a:srgbClr val="000000"/>
+                </a:solidFill>
+              </a:rPr>
+              <a:t>y concreto</a:t>
             </a:r>
             <a:endParaRPr lang="es-ES" sz="1400" dirty="0">
               <a:solidFill>
@@ -24724,7 +24736,7 @@
           <a:p>
             <a:fld id="{36806DA8-7EBF-460B-AAF1-07B5612BC394}" type="datetime1">
               <a:rPr lang="es-ES" smtClean="0"/>
-              <a:t>31/10/13</a:t>
+              <a:t>30/10/14</a:t>
             </a:fld>
             <a:endParaRPr lang="es-ES" dirty="0"/>
           </a:p>
@@ -25287,7 +25299,7 @@
           <a:p>
             <a:fld id="{0FD35564-C4F6-423E-A7DC-C88A33AB638C}" type="datetime1">
               <a:rPr lang="es-ES" smtClean="0"/>
-              <a:t>31/10/13</a:t>
+              <a:t>30/10/14</a:t>
             </a:fld>
             <a:endParaRPr lang="es-ES" dirty="0"/>
           </a:p>
@@ -25481,7 +25493,7 @@
           <a:p>
             <a:fld id="{11CD527F-312E-484C-A642-3966184F52CD}" type="datetime1">
               <a:rPr lang="es-ES" smtClean="0"/>
-              <a:t>31/10/13</a:t>
+              <a:t>30/10/14</a:t>
             </a:fld>
             <a:endParaRPr lang="es-ES" dirty="0"/>
           </a:p>
@@ -25819,7 +25831,7 @@
           <a:p>
             <a:fld id="{2D167626-CD93-4B09-8D7C-3255CF995553}" type="datetime1">
               <a:rPr lang="es-ES" smtClean="0"/>
-              <a:t>31/10/13</a:t>
+              <a:t>30/10/14</a:t>
             </a:fld>
             <a:endParaRPr lang="es-ES" dirty="0"/>
           </a:p>
@@ -26031,7 +26043,7 @@
           <a:p>
             <a:fld id="{7DC56F4E-D950-46DA-B324-D457A1D2C51B}" type="datetime1">
               <a:rPr lang="es-ES" smtClean="0"/>
-              <a:t>31/10/13</a:t>
+              <a:t>30/10/14</a:t>
             </a:fld>
             <a:endParaRPr lang="es-ES" dirty="0"/>
           </a:p>
@@ -26344,7 +26356,7 @@
           <a:p>
             <a:fld id="{A81FBD9E-8F37-47A9-A869-1B76D2BC3D6A}" type="datetime1">
               <a:rPr lang="es-ES" smtClean="0"/>
-              <a:t>31/10/13</a:t>
+              <a:t>30/10/14</a:t>
             </a:fld>
             <a:endParaRPr lang="es-ES" dirty="0"/>
           </a:p>
@@ -26600,7 +26612,7 @@
           <a:p>
             <a:fld id="{392D6057-F51C-45B6-885C-E7F50879BD1E}" type="datetime1">
               <a:rPr lang="es-ES" smtClean="0"/>
-              <a:t>31/10/13</a:t>
+              <a:t>30/10/14</a:t>
             </a:fld>
             <a:endParaRPr lang="es-ES" dirty="0"/>
           </a:p>
@@ -26957,7 +26969,7 @@
           <a:p>
             <a:fld id="{80D6C049-913F-4807-8937-9C56BA5ED3B2}" type="datetime1">
               <a:rPr lang="es-ES" smtClean="0"/>
-              <a:t>31/10/13</a:t>
+              <a:t>30/10/14</a:t>
             </a:fld>
             <a:endParaRPr lang="es-ES" dirty="0"/>
           </a:p>
@@ -27214,7 +27226,7 @@
           <a:p>
             <a:fld id="{A4A82208-6391-461E-9815-580B1079D836}" type="datetime1">
               <a:rPr lang="es-ES" smtClean="0"/>
-              <a:t>31/10/13</a:t>
+              <a:t>30/10/14</a:t>
             </a:fld>
             <a:endParaRPr lang="es-ES" dirty="0"/>
           </a:p>
@@ -27551,7 +27563,7 @@
           <a:p>
             <a:fld id="{9FC55134-6A2E-4C63-8D5E-36F4677003E8}" type="datetime1">
               <a:rPr lang="es-ES" smtClean="0"/>
-              <a:t>31/10/13</a:t>
+              <a:t>30/10/14</a:t>
             </a:fld>
             <a:endParaRPr lang="es-ES" dirty="0"/>
           </a:p>
@@ -27810,7 +27822,7 @@
           <a:p>
             <a:fld id="{E5EA2DFB-6638-40BD-A4A9-44567C024100}" type="datetime1">
               <a:rPr lang="es-ES" smtClean="0"/>
-              <a:t>31/10/13</a:t>
+              <a:t>30/10/14</a:t>
             </a:fld>
             <a:endParaRPr lang="es-ES" dirty="0"/>
           </a:p>
@@ -28119,7 +28131,7 @@
           <a:p>
             <a:fld id="{6272C1B5-2917-4BEE-900E-32BD18554367}" type="datetime1">
               <a:rPr lang="es-ES" smtClean="0"/>
-              <a:t>31/10/13</a:t>
+              <a:t>30/10/14</a:t>
             </a:fld>
             <a:endParaRPr lang="es-ES" dirty="0"/>
           </a:p>
@@ -28338,7 +28350,7 @@
           <a:p>
             <a:fld id="{8F8A2F74-BF48-49DF-A18A-BD3F0D20B8E3}" type="datetime1">
               <a:rPr lang="es-ES" smtClean="0"/>
-              <a:t>31/10/13</a:t>
+              <a:t>30/10/14</a:t>
             </a:fld>
             <a:endParaRPr lang="es-ES" dirty="0"/>
           </a:p>
@@ -28537,7 +28549,7 @@
           <a:p>
             <a:fld id="{CB538BC3-77F1-4180-9CD7-1FF24113F9A7}" type="datetime1">
               <a:rPr lang="es-ES" smtClean="0"/>
-              <a:t>31/10/13</a:t>
+              <a:t>30/10/14</a:t>
             </a:fld>
             <a:endParaRPr lang="es-ES" dirty="0"/>
           </a:p>
@@ -28712,7 +28724,7 @@
           <a:p>
             <a:fld id="{3FCD7DE5-3D2F-4BA9-8962-4695C5731B61}" type="datetime1">
               <a:rPr lang="es-ES" smtClean="0"/>
-              <a:t>31/10/13</a:t>
+              <a:t>30/10/14</a:t>
             </a:fld>
             <a:endParaRPr lang="es-ES" dirty="0"/>
           </a:p>
@@ -28925,7 +28937,7 @@
           <a:p>
             <a:fld id="{9F75AEDE-051B-4EB1-8FC3-90E406C2B235}" type="datetime1">
               <a:rPr lang="es-ES" smtClean="0"/>
-              <a:t>31/10/13</a:t>
+              <a:t>30/10/14</a:t>
             </a:fld>
             <a:endParaRPr lang="es-ES" dirty="0"/>
           </a:p>
@@ -29110,7 +29122,7 @@
           <a:p>
             <a:fld id="{B824AACD-94BB-4B56-96EC-543BC9550D0F}" type="datetime1">
               <a:rPr lang="es-ES" smtClean="0"/>
-              <a:t>31/10/13</a:t>
+              <a:t>30/10/14</a:t>
             </a:fld>
             <a:endParaRPr lang="es-ES" dirty="0"/>
           </a:p>
@@ -29327,7 +29339,7 @@
           <a:p>
             <a:fld id="{DD43D7A7-2974-400F-B3E3-5F95678C7B4B}" type="datetime1">
               <a:rPr lang="es-ES" smtClean="0"/>
-              <a:t>31/10/13</a:t>
+              <a:t>30/10/14</a:t>
             </a:fld>
             <a:endParaRPr lang="es-ES" dirty="0"/>
           </a:p>
@@ -29543,7 +29555,7 @@
           <a:p>
             <a:fld id="{586E557F-BB20-4156-BDC5-3636E31B4ED1}" type="datetime1">
               <a:rPr lang="es-ES" smtClean="0"/>
-              <a:t>31/10/13</a:t>
+              <a:t>30/10/14</a:t>
             </a:fld>
             <a:endParaRPr lang="es-ES" dirty="0"/>
           </a:p>
@@ -29798,7 +29810,7 @@
           <a:p>
             <a:fld id="{C6277AC9-1E5E-4B10-8059-E476E13CE7A3}" type="datetime1">
               <a:rPr lang="es-ES" smtClean="0"/>
-              <a:t>31/10/13</a:t>
+              <a:t>30/10/14</a:t>
             </a:fld>
             <a:endParaRPr lang="es-ES" dirty="0"/>
           </a:p>
@@ -30043,7 +30055,7 @@
           <a:p>
             <a:fld id="{0B072A2E-F6DC-4A5B-AFA7-8314D297517D}" type="datetime1">
               <a:rPr lang="es-ES" smtClean="0"/>
-              <a:t>31/10/13</a:t>
+              <a:t>30/10/14</a:t>
             </a:fld>
             <a:endParaRPr lang="es-ES" dirty="0"/>
           </a:p>
@@ -30192,7 +30204,7 @@
           <a:p>
             <a:fld id="{81700A43-EA6F-4D2F-8AC4-11D3D95BD7C9}" type="datetime1">
               <a:rPr lang="es-ES" smtClean="0"/>
-              <a:t>31/10/13</a:t>
+              <a:t>30/10/14</a:t>
             </a:fld>
             <a:endParaRPr lang="es-ES" dirty="0"/>
           </a:p>
@@ -30367,7 +30379,7 @@
           <a:p>
             <a:fld id="{EABA9FED-85F4-4A24-A13E-1FAB850AF7AC}" type="datetime1">
               <a:rPr lang="es-ES" smtClean="0"/>
-              <a:t>31/10/13</a:t>
+              <a:t>30/10/14</a:t>
             </a:fld>
             <a:endParaRPr lang="es-ES" dirty="0"/>
           </a:p>
@@ -30851,7 +30863,7 @@
           <a:p>
             <a:fld id="{5C8AAC18-4C64-4D3D-B494-C78030616AB5}" type="datetime1">
               <a:rPr lang="es-ES" smtClean="0"/>
-              <a:t>31/10/13</a:t>
+              <a:t>30/10/14</a:t>
             </a:fld>
             <a:endParaRPr lang="es-ES" dirty="0"/>
           </a:p>
@@ -31051,7 +31063,7 @@
           <a:p>
             <a:fld id="{C2AC46F3-716A-4A8A-99C4-96691885A880}" type="datetime1">
               <a:rPr lang="es-ES" smtClean="0"/>
-              <a:t>31/10/13</a:t>
+              <a:t>30/10/14</a:t>
             </a:fld>
             <a:endParaRPr lang="es-ES" dirty="0"/>
           </a:p>
@@ -31272,7 +31284,7 @@
           <a:p>
             <a:fld id="{78948094-3174-4F1C-8F96-FC90AB7F6025}" type="datetime1">
               <a:rPr lang="es-ES" smtClean="0"/>
-              <a:t>31/10/13</a:t>
+              <a:t>30/10/14</a:t>
             </a:fld>
             <a:endParaRPr lang="es-ES" dirty="0"/>
           </a:p>
@@ -31478,7 +31490,7 @@
           <a:p>
             <a:fld id="{6F646F1E-9EC3-43AE-BB10-9F039CAB342E}" type="datetime1">
               <a:rPr lang="es-ES" smtClean="0"/>
-              <a:t>31/10/13</a:t>
+              <a:t>30/10/14</a:t>
             </a:fld>
             <a:endParaRPr lang="es-ES" dirty="0"/>
           </a:p>
@@ -31689,7 +31701,7 @@
           <a:p>
             <a:fld id="{9AEDD55C-A8EA-4DF0-84C9-EF896A65774A}" type="datetime1">
               <a:rPr lang="es-ES" smtClean="0"/>
-              <a:t>31/10/13</a:t>
+              <a:t>30/10/14</a:t>
             </a:fld>
             <a:endParaRPr lang="es-ES" dirty="0"/>
           </a:p>
@@ -31874,7 +31886,7 @@
           <a:p>
             <a:fld id="{C3298088-0720-4743-B8F1-A3128A36EAD8}" type="datetime1">
               <a:rPr lang="es-ES" smtClean="0"/>
-              <a:t>31/10/13</a:t>
+              <a:t>30/10/14</a:t>
             </a:fld>
             <a:endParaRPr lang="es-ES" dirty="0"/>
           </a:p>
@@ -32099,7 +32111,7 @@
           <a:p>
             <a:fld id="{D197CD47-752B-4B90-9B74-7206EDF655FD}" type="datetime1">
               <a:rPr lang="es-ES" smtClean="0"/>
-              <a:t>31/10/13</a:t>
+              <a:t>30/10/14</a:t>
             </a:fld>
             <a:endParaRPr lang="es-ES" dirty="0"/>
           </a:p>
@@ -32291,7 +32303,7 @@
           <a:p>
             <a:fld id="{8598E57B-E8FB-4C6E-A1D2-97D392C75FB7}" type="datetime1">
               <a:rPr lang="es-ES" smtClean="0"/>
-              <a:t>31/10/13</a:t>
+              <a:t>30/10/14</a:t>
             </a:fld>
             <a:endParaRPr lang="es-ES" dirty="0"/>
           </a:p>
@@ -32440,7 +32452,7 @@
           <a:p>
             <a:fld id="{81700A43-EA6F-4D2F-8AC4-11D3D95BD7C9}" type="datetime1">
               <a:rPr lang="es-ES" smtClean="0"/>
-              <a:t>31/10/13</a:t>
+              <a:t>30/10/14</a:t>
             </a:fld>
             <a:endParaRPr lang="es-ES" dirty="0"/>
           </a:p>
@@ -32604,7 +32616,7 @@
           <a:p>
             <a:fld id="{DD42EC40-198F-4F0B-8143-F5FBD59AFF48}" type="datetime1">
               <a:rPr lang="es-ES" smtClean="0"/>
-              <a:t>31/10/13</a:t>
+              <a:t>30/10/14</a:t>
             </a:fld>
             <a:endParaRPr lang="es-ES" dirty="0"/>
           </a:p>
@@ -32728,11 +32740,7 @@
           <a:p>
             <a:r>
               <a:rPr lang="es-ES" dirty="0" smtClean="0"/>
-              <a:t>M</a:t>
-            </a:r>
-            <a:r>
-              <a:rPr lang="es-ES" dirty="0" smtClean="0"/>
-              <a:t>étricas en Visual Studio</a:t>
+              <a:t>Métricas en Visual Studio</a:t>
             </a:r>
             <a:endParaRPr lang="es-ES" dirty="0"/>
           </a:p>
@@ -32755,7 +32763,7 @@
           <a:p>
             <a:fld id="{DD42EC40-198F-4F0B-8143-F5FBD59AFF48}" type="datetime1">
               <a:rPr lang="es-ES" smtClean="0"/>
-              <a:t>31/10/13</a:t>
+              <a:t>30/10/14</a:t>
             </a:fld>
             <a:endParaRPr lang="es-ES" dirty="0"/>
           </a:p>
@@ -33352,7 +33360,7 @@
           <a:p>
             <a:fld id="{AFAB4A76-649B-419B-94B0-BC87F652A5A0}" type="datetime1">
               <a:rPr lang="es-ES" smtClean="0"/>
-              <a:t>31/10/13</a:t>
+              <a:t>30/10/14</a:t>
             </a:fld>
             <a:endParaRPr lang="es-ES"/>
           </a:p>
@@ -33528,7 +33536,7 @@
           <a:p>
             <a:fld id="{524C1DC3-D7BD-4C49-8807-E17CD7164962}" type="datetime1">
               <a:rPr lang="es-ES" smtClean="0"/>
-              <a:t>31/10/13</a:t>
+              <a:t>30/10/14</a:t>
             </a:fld>
             <a:endParaRPr lang="es-ES" dirty="0"/>
           </a:p>
@@ -33694,11 +33702,7 @@
           <a:p>
             <a:r>
               <a:rPr lang="es-MX" dirty="0" smtClean="0"/>
-              <a:t>Ndepend </a:t>
-            </a:r>
-            <a:r>
-              <a:rPr lang="es-MX" dirty="0" smtClean="0"/>
-              <a:t>– Comercial - VS</a:t>
+              <a:t>Ndepend – Comercial - VS</a:t>
             </a:r>
             <a:endParaRPr lang="es-AR" dirty="0"/>
           </a:p>
@@ -33824,7 +33828,7 @@
           <a:p>
             <a:fld id="{F4C2C8E7-83E3-4EB6-9A6A-26D9BD902BF1}" type="datetime1">
               <a:rPr lang="es-ES" smtClean="0"/>
-              <a:t>31/10/13</a:t>
+              <a:t>30/10/14</a:t>
             </a:fld>
             <a:endParaRPr lang="es-ES"/>
           </a:p>
@@ -34088,7 +34092,7 @@
           <a:p>
             <a:fld id="{662E009E-7FF8-4875-923A-F1E8D2F42F64}" type="datetime1">
               <a:rPr lang="es-ES" smtClean="0"/>
-              <a:t>31/10/13</a:t>
+              <a:t>30/10/14</a:t>
             </a:fld>
             <a:endParaRPr lang="es-ES"/>
           </a:p>
@@ -34509,7 +34513,7 @@
           <a:p>
             <a:fld id="{C84E8F5F-D265-4540-ACFD-4B3964B14A20}" type="datetime1">
               <a:rPr lang="es-ES" smtClean="0"/>
-              <a:t>31/10/13</a:t>
+              <a:t>30/10/14</a:t>
             </a:fld>
             <a:endParaRPr lang="es-ES"/>
           </a:p>
@@ -35492,7 +35496,7 @@
           <a:p>
             <a:fld id="{F8BD1BC5-3721-4AE9-937A-E59AFCC43621}" type="datetime1">
               <a:rPr lang="es-ES" smtClean="0"/>
-              <a:t>31/10/13</a:t>
+              <a:t>30/10/14</a:t>
             </a:fld>
             <a:endParaRPr lang="es-ES"/>
           </a:p>
@@ -35705,7 +35709,7 @@
           <a:p>
             <a:fld id="{ACCF842D-AFC1-40F4-A545-C0A7C1635C27}" type="datetime1">
               <a:rPr lang="es-ES" smtClean="0"/>
-              <a:t>31/10/13</a:t>
+              <a:t>30/10/14</a:t>
             </a:fld>
             <a:endParaRPr lang="es-ES"/>
           </a:p>
@@ -36176,7 +36180,7 @@
           <a:p>
             <a:fld id="{7C8DB35F-E1E8-4A31-A518-01FA7FC85F3D}" type="datetime1">
               <a:rPr lang="es-ES" smtClean="0"/>
-              <a:t>31/10/13</a:t>
+              <a:t>30/10/14</a:t>
             </a:fld>
             <a:endParaRPr lang="es-ES"/>
           </a:p>
@@ -36583,7 +36587,7 @@
           <a:p>
             <a:fld id="{09C36F16-937C-43C2-95CF-0583D1682A3E}" type="datetime1">
               <a:rPr lang="es-ES" smtClean="0"/>
-              <a:t>31/10/13</a:t>
+              <a:t>30/10/14</a:t>
             </a:fld>
             <a:endParaRPr lang="es-ES"/>
           </a:p>
@@ -36779,7 +36783,7 @@
           <a:p>
             <a:fld id="{55F437A0-E55A-46F8-9A72-EE03DC8BB541}" type="datetime1">
               <a:rPr lang="es-ES" smtClean="0"/>
-              <a:t>31/10/13</a:t>
+              <a:t>30/10/14</a:t>
             </a:fld>
             <a:endParaRPr lang="es-ES"/>
           </a:p>
@@ -37367,7 +37371,7 @@
           <a:p>
             <a:fld id="{2696363F-D7AE-4348-924C-DADAF465FB4D}" type="datetime1">
               <a:rPr lang="es-ES" smtClean="0"/>
-              <a:t>31/10/13</a:t>
+              <a:t>30/10/14</a:t>
             </a:fld>
             <a:endParaRPr lang="es-ES"/>
           </a:p>
@@ -37624,7 +37628,7 @@
           <a:p>
             <a:fld id="{771AB79D-3C04-4165-93A1-978C23891F61}" type="datetime1">
               <a:rPr lang="es-ES" smtClean="0"/>
-              <a:t>31/10/13</a:t>
+              <a:t>30/10/14</a:t>
             </a:fld>
             <a:endParaRPr lang="es-ES"/>
           </a:p>
